--- a/Chap/OOProg02/Presentations/InheritancePoly.pptx
+++ b/Chap/OOProg02/Presentations/InheritancePoly.pptx
@@ -249,7 +249,7 @@
           <a:p>
             <a:fld id="{E15B7D8E-2A20-4C0E-991C-872DBB7459A8}" type="datetimeFigureOut">
               <a:rPr lang="da-DK" smtClean="0"/>
-              <a:t>12-08-2022</a:t>
+              <a:t>20-08-2022</a:t>
             </a:fld>
             <a:endParaRPr lang="da-DK"/>
           </a:p>
@@ -417,7 +417,7 @@
           <a:p>
             <a:fld id="{E15B7D8E-2A20-4C0E-991C-872DBB7459A8}" type="datetimeFigureOut">
               <a:rPr lang="da-DK" smtClean="0"/>
-              <a:t>12-08-2022</a:t>
+              <a:t>20-08-2022</a:t>
             </a:fld>
             <a:endParaRPr lang="da-DK"/>
           </a:p>
@@ -595,7 +595,7 @@
           <a:p>
             <a:fld id="{E15B7D8E-2A20-4C0E-991C-872DBB7459A8}" type="datetimeFigureOut">
               <a:rPr lang="da-DK" smtClean="0"/>
-              <a:t>12-08-2022</a:t>
+              <a:t>20-08-2022</a:t>
             </a:fld>
             <a:endParaRPr lang="da-DK"/>
           </a:p>
@@ -763,7 +763,7 @@
           <a:p>
             <a:fld id="{E15B7D8E-2A20-4C0E-991C-872DBB7459A8}" type="datetimeFigureOut">
               <a:rPr lang="da-DK" smtClean="0"/>
-              <a:t>12-08-2022</a:t>
+              <a:t>20-08-2022</a:t>
             </a:fld>
             <a:endParaRPr lang="da-DK"/>
           </a:p>
@@ -1008,7 +1008,7 @@
           <a:p>
             <a:fld id="{E15B7D8E-2A20-4C0E-991C-872DBB7459A8}" type="datetimeFigureOut">
               <a:rPr lang="da-DK" smtClean="0"/>
-              <a:t>12-08-2022</a:t>
+              <a:t>20-08-2022</a:t>
             </a:fld>
             <a:endParaRPr lang="da-DK"/>
           </a:p>
@@ -1237,7 +1237,7 @@
           <a:p>
             <a:fld id="{E15B7D8E-2A20-4C0E-991C-872DBB7459A8}" type="datetimeFigureOut">
               <a:rPr lang="da-DK" smtClean="0"/>
-              <a:t>12-08-2022</a:t>
+              <a:t>20-08-2022</a:t>
             </a:fld>
             <a:endParaRPr lang="da-DK"/>
           </a:p>
@@ -1601,7 +1601,7 @@
           <a:p>
             <a:fld id="{E15B7D8E-2A20-4C0E-991C-872DBB7459A8}" type="datetimeFigureOut">
               <a:rPr lang="da-DK" smtClean="0"/>
-              <a:t>12-08-2022</a:t>
+              <a:t>20-08-2022</a:t>
             </a:fld>
             <a:endParaRPr lang="da-DK"/>
           </a:p>
@@ -1718,7 +1718,7 @@
           <a:p>
             <a:fld id="{E15B7D8E-2A20-4C0E-991C-872DBB7459A8}" type="datetimeFigureOut">
               <a:rPr lang="da-DK" smtClean="0"/>
-              <a:t>12-08-2022</a:t>
+              <a:t>20-08-2022</a:t>
             </a:fld>
             <a:endParaRPr lang="da-DK"/>
           </a:p>
@@ -1813,7 +1813,7 @@
           <a:p>
             <a:fld id="{E15B7D8E-2A20-4C0E-991C-872DBB7459A8}" type="datetimeFigureOut">
               <a:rPr lang="da-DK" smtClean="0"/>
-              <a:t>12-08-2022</a:t>
+              <a:t>20-08-2022</a:t>
             </a:fld>
             <a:endParaRPr lang="da-DK"/>
           </a:p>
@@ -2088,7 +2088,7 @@
           <a:p>
             <a:fld id="{E15B7D8E-2A20-4C0E-991C-872DBB7459A8}" type="datetimeFigureOut">
               <a:rPr lang="da-DK" smtClean="0"/>
-              <a:t>12-08-2022</a:t>
+              <a:t>20-08-2022</a:t>
             </a:fld>
             <a:endParaRPr lang="da-DK"/>
           </a:p>
@@ -2340,7 +2340,7 @@
           <a:p>
             <a:fld id="{E15B7D8E-2A20-4C0E-991C-872DBB7459A8}" type="datetimeFigureOut">
               <a:rPr lang="da-DK" smtClean="0"/>
-              <a:t>12-08-2022</a:t>
+              <a:t>20-08-2022</a:t>
             </a:fld>
             <a:endParaRPr lang="da-DK"/>
           </a:p>
@@ -2551,7 +2551,7 @@
           <a:p>
             <a:fld id="{E15B7D8E-2A20-4C0E-991C-872DBB7459A8}" type="datetimeFigureOut">
               <a:rPr lang="da-DK" smtClean="0"/>
-              <a:t>12-08-2022</a:t>
+              <a:t>20-08-2022</a:t>
             </a:fld>
             <a:endParaRPr lang="da-DK"/>
           </a:p>
@@ -3253,16 +3253,15 @@
           </p:cNvPicPr>
           <p:nvPr/>
         </p:nvPicPr>
-        <p:blipFill>
+        <p:blipFill rotWithShape="1">
           <a:blip r:embed="rId2"/>
-          <a:stretch>
-            <a:fillRect/>
-          </a:stretch>
+          <a:srcRect t="20454"/>
+          <a:stretch/>
         </p:blipFill>
         <p:spPr>
           <a:xfrm>
-            <a:off x="4663216" y="4216066"/>
-            <a:ext cx="3590925" cy="1409700"/>
+            <a:off x="4663216" y="4504414"/>
+            <a:ext cx="3590925" cy="1121352"/>
           </a:xfrm>
           <a:prstGeom prst="rect">
             <a:avLst/>
@@ -3595,16 +3594,15 @@
           </p:cNvPicPr>
           <p:nvPr/>
         </p:nvPicPr>
-        <p:blipFill>
+        <p:blipFill rotWithShape="1">
           <a:blip r:embed="rId2"/>
-          <a:stretch>
-            <a:fillRect/>
-          </a:stretch>
+          <a:srcRect l="-333" t="21301"/>
+          <a:stretch/>
         </p:blipFill>
         <p:spPr>
           <a:xfrm>
-            <a:off x="4675248" y="4216068"/>
-            <a:ext cx="3609975" cy="1409700"/>
+            <a:off x="4663216" y="4516340"/>
+            <a:ext cx="3622007" cy="1109427"/>
           </a:xfrm>
           <a:prstGeom prst="rect">
             <a:avLst/>
@@ -3963,16 +3961,15 @@
           </p:cNvPicPr>
           <p:nvPr/>
         </p:nvPicPr>
-        <p:blipFill>
+        <p:blipFill rotWithShape="1">
           <a:blip r:embed="rId2"/>
-          <a:stretch>
-            <a:fillRect/>
-          </a:stretch>
+          <a:srcRect t="21865"/>
+          <a:stretch/>
         </p:blipFill>
         <p:spPr>
           <a:xfrm>
-            <a:off x="4663216" y="4216066"/>
-            <a:ext cx="3590925" cy="1409700"/>
+            <a:off x="4663216" y="4524292"/>
+            <a:ext cx="3590925" cy="1101474"/>
           </a:xfrm>
           <a:prstGeom prst="rect">
             <a:avLst/>
@@ -4861,16 +4858,15 @@
           </p:cNvPicPr>
           <p:nvPr/>
         </p:nvPicPr>
-        <p:blipFill>
+        <p:blipFill rotWithShape="1">
           <a:blip r:embed="rId3"/>
-          <a:stretch>
-            <a:fillRect/>
-          </a:stretch>
+          <a:srcRect l="-333" t="20737"/>
+          <a:stretch/>
         </p:blipFill>
         <p:spPr>
           <a:xfrm>
-            <a:off x="4675248" y="4216068"/>
-            <a:ext cx="3609975" cy="1409700"/>
+            <a:off x="4663216" y="4508390"/>
+            <a:ext cx="3622007" cy="1117378"/>
           </a:xfrm>
           <a:prstGeom prst="rect">
             <a:avLst/>
@@ -7430,16 +7426,15 @@
           </p:cNvPicPr>
           <p:nvPr/>
         </p:nvPicPr>
-        <p:blipFill>
+        <p:blipFill rotWithShape="1">
           <a:blip r:embed="rId2"/>
-          <a:stretch>
-            <a:fillRect/>
-          </a:stretch>
+          <a:srcRect l="876" t="18894"/>
+          <a:stretch/>
         </p:blipFill>
         <p:spPr>
           <a:xfrm>
-            <a:off x="4663216" y="5147734"/>
-            <a:ext cx="3657600" cy="1371600"/>
+            <a:off x="4695244" y="5406886"/>
+            <a:ext cx="3625571" cy="1112447"/>
           </a:xfrm>
           <a:prstGeom prst="rect">
             <a:avLst/>

--- a/Chap/OOProg02/Presentations/InheritancePoly.pptx
+++ b/Chap/OOProg02/Presentations/InheritancePoly.pptx
@@ -249,7 +249,7 @@
           <a:p>
             <a:fld id="{E15B7D8E-2A20-4C0E-991C-872DBB7459A8}" type="datetimeFigureOut">
               <a:rPr lang="da-DK" smtClean="0"/>
-              <a:t>20-08-2022</a:t>
+              <a:t>26-08-2024</a:t>
             </a:fld>
             <a:endParaRPr lang="da-DK"/>
           </a:p>
@@ -307,6 +307,18 @@
   <p:clrMapOvr>
     <a:masterClrMapping/>
   </p:clrMapOvr>
+  <mc:AlternateContent xmlns:mc="http://schemas.openxmlformats.org/markup-compatibility/2006">
+    <mc:Choice xmlns:p14="http://schemas.microsoft.com/office/powerpoint/2010/main" Requires="p14">
+      <p:transition spd="med" p14:dur="700">
+        <p:fade/>
+      </p:transition>
+    </mc:Choice>
+    <mc:Fallback>
+      <p:transition spd="med">
+        <p:fade/>
+      </p:transition>
+    </mc:Fallback>
+  </mc:AlternateContent>
 </p:sldLayout>
 </file>
 
@@ -417,7 +429,7 @@
           <a:p>
             <a:fld id="{E15B7D8E-2A20-4C0E-991C-872DBB7459A8}" type="datetimeFigureOut">
               <a:rPr lang="da-DK" smtClean="0"/>
-              <a:t>20-08-2022</a:t>
+              <a:t>26-08-2024</a:t>
             </a:fld>
             <a:endParaRPr lang="da-DK"/>
           </a:p>
@@ -475,6 +487,18 @@
   <p:clrMapOvr>
     <a:masterClrMapping/>
   </p:clrMapOvr>
+  <mc:AlternateContent xmlns:mc="http://schemas.openxmlformats.org/markup-compatibility/2006">
+    <mc:Choice xmlns:p14="http://schemas.microsoft.com/office/powerpoint/2010/main" Requires="p14">
+      <p:transition spd="med" p14:dur="700">
+        <p:fade/>
+      </p:transition>
+    </mc:Choice>
+    <mc:Fallback>
+      <p:transition spd="med">
+        <p:fade/>
+      </p:transition>
+    </mc:Fallback>
+  </mc:AlternateContent>
 </p:sldLayout>
 </file>
 
@@ -595,7 +619,7 @@
           <a:p>
             <a:fld id="{E15B7D8E-2A20-4C0E-991C-872DBB7459A8}" type="datetimeFigureOut">
               <a:rPr lang="da-DK" smtClean="0"/>
-              <a:t>20-08-2022</a:t>
+              <a:t>26-08-2024</a:t>
             </a:fld>
             <a:endParaRPr lang="da-DK"/>
           </a:p>
@@ -653,6 +677,18 @@
   <p:clrMapOvr>
     <a:masterClrMapping/>
   </p:clrMapOvr>
+  <mc:AlternateContent xmlns:mc="http://schemas.openxmlformats.org/markup-compatibility/2006">
+    <mc:Choice xmlns:p14="http://schemas.microsoft.com/office/powerpoint/2010/main" Requires="p14">
+      <p:transition spd="med" p14:dur="700">
+        <p:fade/>
+      </p:transition>
+    </mc:Choice>
+    <mc:Fallback>
+      <p:transition spd="med">
+        <p:fade/>
+      </p:transition>
+    </mc:Fallback>
+  </mc:AlternateContent>
 </p:sldLayout>
 </file>
 
@@ -763,7 +799,7 @@
           <a:p>
             <a:fld id="{E15B7D8E-2A20-4C0E-991C-872DBB7459A8}" type="datetimeFigureOut">
               <a:rPr lang="da-DK" smtClean="0"/>
-              <a:t>20-08-2022</a:t>
+              <a:t>26-08-2024</a:t>
             </a:fld>
             <a:endParaRPr lang="da-DK"/>
           </a:p>
@@ -821,6 +857,18 @@
   <p:clrMapOvr>
     <a:masterClrMapping/>
   </p:clrMapOvr>
+  <mc:AlternateContent xmlns:mc="http://schemas.openxmlformats.org/markup-compatibility/2006">
+    <mc:Choice xmlns:p14="http://schemas.microsoft.com/office/powerpoint/2010/main" Requires="p14">
+      <p:transition spd="med" p14:dur="700">
+        <p:fade/>
+      </p:transition>
+    </mc:Choice>
+    <mc:Fallback>
+      <p:transition spd="med">
+        <p:fade/>
+      </p:transition>
+    </mc:Fallback>
+  </mc:AlternateContent>
 </p:sldLayout>
 </file>
 
@@ -1008,7 +1056,7 @@
           <a:p>
             <a:fld id="{E15B7D8E-2A20-4C0E-991C-872DBB7459A8}" type="datetimeFigureOut">
               <a:rPr lang="da-DK" smtClean="0"/>
-              <a:t>20-08-2022</a:t>
+              <a:t>26-08-2024</a:t>
             </a:fld>
             <a:endParaRPr lang="da-DK"/>
           </a:p>
@@ -1066,6 +1114,18 @@
   <p:clrMapOvr>
     <a:masterClrMapping/>
   </p:clrMapOvr>
+  <mc:AlternateContent xmlns:mc="http://schemas.openxmlformats.org/markup-compatibility/2006">
+    <mc:Choice xmlns:p14="http://schemas.microsoft.com/office/powerpoint/2010/main" Requires="p14">
+      <p:transition spd="med" p14:dur="700">
+        <p:fade/>
+      </p:transition>
+    </mc:Choice>
+    <mc:Fallback>
+      <p:transition spd="med">
+        <p:fade/>
+      </p:transition>
+    </mc:Fallback>
+  </mc:AlternateContent>
 </p:sldLayout>
 </file>
 
@@ -1237,7 +1297,7 @@
           <a:p>
             <a:fld id="{E15B7D8E-2A20-4C0E-991C-872DBB7459A8}" type="datetimeFigureOut">
               <a:rPr lang="da-DK" smtClean="0"/>
-              <a:t>20-08-2022</a:t>
+              <a:t>26-08-2024</a:t>
             </a:fld>
             <a:endParaRPr lang="da-DK"/>
           </a:p>
@@ -1295,6 +1355,18 @@
   <p:clrMapOvr>
     <a:masterClrMapping/>
   </p:clrMapOvr>
+  <mc:AlternateContent xmlns:mc="http://schemas.openxmlformats.org/markup-compatibility/2006">
+    <mc:Choice xmlns:p14="http://schemas.microsoft.com/office/powerpoint/2010/main" Requires="p14">
+      <p:transition spd="med" p14:dur="700">
+        <p:fade/>
+      </p:transition>
+    </mc:Choice>
+    <mc:Fallback>
+      <p:transition spd="med">
+        <p:fade/>
+      </p:transition>
+    </mc:Fallback>
+  </mc:AlternateContent>
 </p:sldLayout>
 </file>
 
@@ -1601,7 +1673,7 @@
           <a:p>
             <a:fld id="{E15B7D8E-2A20-4C0E-991C-872DBB7459A8}" type="datetimeFigureOut">
               <a:rPr lang="da-DK" smtClean="0"/>
-              <a:t>20-08-2022</a:t>
+              <a:t>26-08-2024</a:t>
             </a:fld>
             <a:endParaRPr lang="da-DK"/>
           </a:p>
@@ -1659,6 +1731,18 @@
   <p:clrMapOvr>
     <a:masterClrMapping/>
   </p:clrMapOvr>
+  <mc:AlternateContent xmlns:mc="http://schemas.openxmlformats.org/markup-compatibility/2006">
+    <mc:Choice xmlns:p14="http://schemas.microsoft.com/office/powerpoint/2010/main" Requires="p14">
+      <p:transition spd="med" p14:dur="700">
+        <p:fade/>
+      </p:transition>
+    </mc:Choice>
+    <mc:Fallback>
+      <p:transition spd="med">
+        <p:fade/>
+      </p:transition>
+    </mc:Fallback>
+  </mc:AlternateContent>
 </p:sldLayout>
 </file>
 
@@ -1718,7 +1802,7 @@
           <a:p>
             <a:fld id="{E15B7D8E-2A20-4C0E-991C-872DBB7459A8}" type="datetimeFigureOut">
               <a:rPr lang="da-DK" smtClean="0"/>
-              <a:t>20-08-2022</a:t>
+              <a:t>26-08-2024</a:t>
             </a:fld>
             <a:endParaRPr lang="da-DK"/>
           </a:p>
@@ -1776,6 +1860,18 @@
   <p:clrMapOvr>
     <a:masterClrMapping/>
   </p:clrMapOvr>
+  <mc:AlternateContent xmlns:mc="http://schemas.openxmlformats.org/markup-compatibility/2006">
+    <mc:Choice xmlns:p14="http://schemas.microsoft.com/office/powerpoint/2010/main" Requires="p14">
+      <p:transition spd="med" p14:dur="700">
+        <p:fade/>
+      </p:transition>
+    </mc:Choice>
+    <mc:Fallback>
+      <p:transition spd="med">
+        <p:fade/>
+      </p:transition>
+    </mc:Fallback>
+  </mc:AlternateContent>
 </p:sldLayout>
 </file>
 
@@ -1813,7 +1909,7 @@
           <a:p>
             <a:fld id="{E15B7D8E-2A20-4C0E-991C-872DBB7459A8}" type="datetimeFigureOut">
               <a:rPr lang="da-DK" smtClean="0"/>
-              <a:t>20-08-2022</a:t>
+              <a:t>26-08-2024</a:t>
             </a:fld>
             <a:endParaRPr lang="da-DK"/>
           </a:p>
@@ -1871,6 +1967,18 @@
   <p:clrMapOvr>
     <a:masterClrMapping/>
   </p:clrMapOvr>
+  <mc:AlternateContent xmlns:mc="http://schemas.openxmlformats.org/markup-compatibility/2006">
+    <mc:Choice xmlns:p14="http://schemas.microsoft.com/office/powerpoint/2010/main" Requires="p14">
+      <p:transition spd="med" p14:dur="700">
+        <p:fade/>
+      </p:transition>
+    </mc:Choice>
+    <mc:Fallback>
+      <p:transition spd="med">
+        <p:fade/>
+      </p:transition>
+    </mc:Fallback>
+  </mc:AlternateContent>
 </p:sldLayout>
 </file>
 
@@ -2088,7 +2196,7 @@
           <a:p>
             <a:fld id="{E15B7D8E-2A20-4C0E-991C-872DBB7459A8}" type="datetimeFigureOut">
               <a:rPr lang="da-DK" smtClean="0"/>
-              <a:t>20-08-2022</a:t>
+              <a:t>26-08-2024</a:t>
             </a:fld>
             <a:endParaRPr lang="da-DK"/>
           </a:p>
@@ -2146,6 +2254,18 @@
   <p:clrMapOvr>
     <a:masterClrMapping/>
   </p:clrMapOvr>
+  <mc:AlternateContent xmlns:mc="http://schemas.openxmlformats.org/markup-compatibility/2006">
+    <mc:Choice xmlns:p14="http://schemas.microsoft.com/office/powerpoint/2010/main" Requires="p14">
+      <p:transition spd="med" p14:dur="700">
+        <p:fade/>
+      </p:transition>
+    </mc:Choice>
+    <mc:Fallback>
+      <p:transition spd="med">
+        <p:fade/>
+      </p:transition>
+    </mc:Fallback>
+  </mc:AlternateContent>
 </p:sldLayout>
 </file>
 
@@ -2340,7 +2460,7 @@
           <a:p>
             <a:fld id="{E15B7D8E-2A20-4C0E-991C-872DBB7459A8}" type="datetimeFigureOut">
               <a:rPr lang="da-DK" smtClean="0"/>
-              <a:t>20-08-2022</a:t>
+              <a:t>26-08-2024</a:t>
             </a:fld>
             <a:endParaRPr lang="da-DK"/>
           </a:p>
@@ -2398,6 +2518,18 @@
   <p:clrMapOvr>
     <a:masterClrMapping/>
   </p:clrMapOvr>
+  <mc:AlternateContent xmlns:mc="http://schemas.openxmlformats.org/markup-compatibility/2006">
+    <mc:Choice xmlns:p14="http://schemas.microsoft.com/office/powerpoint/2010/main" Requires="p14">
+      <p:transition spd="med" p14:dur="700">
+        <p:fade/>
+      </p:transition>
+    </mc:Choice>
+    <mc:Fallback>
+      <p:transition spd="med">
+        <p:fade/>
+      </p:transition>
+    </mc:Fallback>
+  </mc:AlternateContent>
 </p:sldLayout>
 </file>
 
@@ -2551,7 +2683,7 @@
           <a:p>
             <a:fld id="{E15B7D8E-2A20-4C0E-991C-872DBB7459A8}" type="datetimeFigureOut">
               <a:rPr lang="da-DK" smtClean="0"/>
-              <a:t>20-08-2022</a:t>
+              <a:t>26-08-2024</a:t>
             </a:fld>
             <a:endParaRPr lang="da-DK"/>
           </a:p>
@@ -2656,6 +2788,18 @@
     <p:sldLayoutId id="2147483658" r:id="rId10"/>
     <p:sldLayoutId id="2147483659" r:id="rId11"/>
   </p:sldLayoutIdLst>
+  <mc:AlternateContent xmlns:mc="http://schemas.openxmlformats.org/markup-compatibility/2006">
+    <mc:Choice xmlns:p14="http://schemas.microsoft.com/office/powerpoint/2010/main" Requires="p14">
+      <p:transition spd="med" p14:dur="700">
+        <p:fade/>
+      </p:transition>
+    </mc:Choice>
+    <mc:Fallback>
+      <p:transition spd="med">
+        <p:fade/>
+      </p:transition>
+    </mc:Fallback>
+  </mc:AlternateContent>
   <p:txStyles>
     <p:titleStyle>
       <a:lvl1pPr algn="l" defTabSz="914400" rtl="0" eaLnBrk="1" latinLnBrk="0" hangingPunct="1">
@@ -2968,7 +3112,7 @@
         </p:nvSpPr>
         <p:spPr>
           <a:xfrm>
-            <a:off x="1179061" y="1755383"/>
+            <a:off x="1183037" y="1703699"/>
             <a:ext cx="9144000" cy="2312652"/>
           </a:xfrm>
         </p:spPr>
@@ -3018,6 +3162,18 @@
   <p:clrMapOvr>
     <a:masterClrMapping/>
   </p:clrMapOvr>
+  <mc:AlternateContent xmlns:mc="http://schemas.openxmlformats.org/markup-compatibility/2006">
+    <mc:Choice xmlns:p14="http://schemas.microsoft.com/office/powerpoint/2010/main" Requires="p14">
+      <p:transition spd="med" p14:dur="700">
+        <p:fade/>
+      </p:transition>
+    </mc:Choice>
+    <mc:Fallback>
+      <p:transition spd="med">
+        <p:fade/>
+      </p:transition>
+    </mc:Fallback>
+  </mc:AlternateContent>
 </p:sld>
 </file>
 
@@ -3278,6 +3434,18 @@
   <p:clrMapOvr>
     <a:masterClrMapping/>
   </p:clrMapOvr>
+  <mc:AlternateContent xmlns:mc="http://schemas.openxmlformats.org/markup-compatibility/2006">
+    <mc:Choice xmlns:p14="http://schemas.microsoft.com/office/powerpoint/2010/main" Requires="p14">
+      <p:transition spd="med" p14:dur="700">
+        <p:fade/>
+      </p:transition>
+    </mc:Choice>
+    <mc:Fallback>
+      <p:transition spd="med">
+        <p:fade/>
+      </p:transition>
+    </mc:Fallback>
+  </mc:AlternateContent>
   <p:timing>
     <p:tnLst>
       <p:par>
@@ -3619,13 +3787,13 @@
   <p:clrMapOvr>
     <a:masterClrMapping/>
   </p:clrMapOvr>
-  <mc:AlternateContent xmlns:mc="http://schemas.openxmlformats.org/markup-compatibility/2006" xmlns:p14="http://schemas.microsoft.com/office/powerpoint/2010/main">
-    <mc:Choice Requires="p14">
+  <mc:AlternateContent xmlns:mc="http://schemas.openxmlformats.org/markup-compatibility/2006">
+    <mc:Choice xmlns:p14="http://schemas.microsoft.com/office/powerpoint/2010/main" Requires="p14">
       <p:transition spd="med" p14:dur="700">
         <p:fade/>
       </p:transition>
     </mc:Choice>
-    <mc:Fallback xmlns="">
+    <mc:Fallback>
       <p:transition spd="med">
         <p:fade/>
       </p:transition>
@@ -4027,13 +4195,13 @@
   <p:clrMapOvr>
     <a:masterClrMapping/>
   </p:clrMapOvr>
-  <mc:AlternateContent xmlns:mc="http://schemas.openxmlformats.org/markup-compatibility/2006" xmlns:p14="http://schemas.microsoft.com/office/powerpoint/2010/main">
-    <mc:Choice Requires="p14">
+  <mc:AlternateContent xmlns:mc="http://schemas.openxmlformats.org/markup-compatibility/2006">
+    <mc:Choice xmlns:p14="http://schemas.microsoft.com/office/powerpoint/2010/main" Requires="p14">
       <p:transition spd="med" p14:dur="700">
         <p:fade/>
       </p:transition>
     </mc:Choice>
-    <mc:Fallback xmlns="">
+    <mc:Fallback>
       <p:transition spd="med">
         <p:fade/>
       </p:transition>
@@ -4558,13 +4726,13 @@
   <p:clrMapOvr>
     <a:masterClrMapping/>
   </p:clrMapOvr>
-  <mc:AlternateContent xmlns:mc="http://schemas.openxmlformats.org/markup-compatibility/2006" xmlns:p14="http://schemas.microsoft.com/office/powerpoint/2010/main">
-    <mc:Choice Requires="p14">
+  <mc:AlternateContent xmlns:mc="http://schemas.openxmlformats.org/markup-compatibility/2006">
+    <mc:Choice xmlns:p14="http://schemas.microsoft.com/office/powerpoint/2010/main" Requires="p14">
       <p:transition spd="med" p14:dur="700">
         <p:fade/>
       </p:transition>
     </mc:Choice>
-    <mc:Fallback xmlns="">
+    <mc:Fallback>
       <p:transition spd="med">
         <p:fade/>
       </p:transition>
@@ -4935,13 +5103,13 @@
   <p:clrMapOvr>
     <a:masterClrMapping/>
   </p:clrMapOvr>
-  <mc:AlternateContent xmlns:mc="http://schemas.openxmlformats.org/markup-compatibility/2006" xmlns:p14="http://schemas.microsoft.com/office/powerpoint/2010/main">
-    <mc:Choice Requires="p14">
+  <mc:AlternateContent xmlns:mc="http://schemas.openxmlformats.org/markup-compatibility/2006">
+    <mc:Choice xmlns:p14="http://schemas.microsoft.com/office/powerpoint/2010/main" Requires="p14">
       <p:transition spd="med" p14:dur="700">
         <p:fade/>
       </p:transition>
     </mc:Choice>
-    <mc:Fallback xmlns="">
+    <mc:Fallback>
       <p:transition spd="med">
         <p:fade/>
       </p:transition>
@@ -5603,6 +5771,18 @@
   <p:clrMapOvr>
     <a:masterClrMapping/>
   </p:clrMapOvr>
+  <mc:AlternateContent xmlns:mc="http://schemas.openxmlformats.org/markup-compatibility/2006">
+    <mc:Choice xmlns:p14="http://schemas.microsoft.com/office/powerpoint/2010/main" Requires="p14">
+      <p:transition spd="med" p14:dur="700">
+        <p:fade/>
+      </p:transition>
+    </mc:Choice>
+    <mc:Fallback>
+      <p:transition spd="med">
+        <p:fade/>
+      </p:transition>
+    </mc:Fallback>
+  </mc:AlternateContent>
   <p:timing>
     <p:tnLst>
       <p:par>
@@ -6657,13 +6837,13 @@
   <p:clrMapOvr>
     <a:masterClrMapping/>
   </p:clrMapOvr>
-  <mc:AlternateContent xmlns:mc="http://schemas.openxmlformats.org/markup-compatibility/2006" xmlns:p14="http://schemas.microsoft.com/office/powerpoint/2010/main">
-    <mc:Choice Requires="p14">
+  <mc:AlternateContent xmlns:mc="http://schemas.openxmlformats.org/markup-compatibility/2006">
+    <mc:Choice xmlns:p14="http://schemas.microsoft.com/office/powerpoint/2010/main" Requires="p14">
       <p:transition spd="med" p14:dur="700">
         <p:fade/>
       </p:transition>
     </mc:Choice>
-    <mc:Fallback xmlns="">
+    <mc:Fallback>
       <p:transition spd="med">
         <p:fade/>
       </p:transition>
@@ -7451,6 +7631,18 @@
   <p:clrMapOvr>
     <a:masterClrMapping/>
   </p:clrMapOvr>
+  <mc:AlternateContent xmlns:mc="http://schemas.openxmlformats.org/markup-compatibility/2006">
+    <mc:Choice xmlns:p14="http://schemas.microsoft.com/office/powerpoint/2010/main" Requires="p14">
+      <p:transition spd="med" p14:dur="700">
+        <p:fade/>
+      </p:transition>
+    </mc:Choice>
+    <mc:Fallback>
+      <p:transition spd="med">
+        <p:fade/>
+      </p:transition>
+    </mc:Fallback>
+  </mc:AlternateContent>
   <p:timing>
     <p:tnLst>
       <p:par>
